--- a/final ppt/05-web-detective.pptx
+++ b/final ppt/05-web-detective.pptx
@@ -16,9 +16,9 @@
     <p:sldId id="261" r:id="rId7"/>
     <p:sldId id="262" r:id="rId8"/>
     <p:sldId id="263" r:id="rId9"/>
-    <p:sldId id="264" r:id="rId10"/>
-    <p:sldId id="265" r:id="rId11"/>
-    <p:sldId id="266" r:id="rId12"/>
+    <p:sldId id="265" r:id="rId10"/>
+    <p:sldId id="266" r:id="rId11"/>
+    <p:sldId id="271" r:id="rId12"/>
     <p:sldId id="267" r:id="rId13"/>
     <p:sldId id="268" r:id="rId14"/>
     <p:sldId id="269" r:id="rId15"/>
@@ -329,7 +329,7 @@
           <a:p>
             <a:fld id="{0F9C1CCF-B725-44A7-AA57-5E433BD85C9F}" type="datetimeFigureOut">
               <a:rPr lang="en-US" smtClean="0"/>
-              <a:t>8/30/2021</a:t>
+              <a:t>9/9/2021</a:t>
             </a:fld>
             <a:endParaRPr lang="en-US"/>
           </a:p>
@@ -988,365 +988,6 @@
 </p:notes>
 </file>
 
-<file path=ppt/notesSlides/notesSlide10.xml><?xml version="1.0" encoding="utf-8"?>
-<p:notes xmlns:a="http://schemas.openxmlformats.org/drawingml/2006/main" xmlns:r="http://schemas.openxmlformats.org/officeDocument/2006/relationships" xmlns:p="http://schemas.openxmlformats.org/presentationml/2006/main">
-  <p:cSld>
-    <p:spTree>
-      <p:nvGrpSpPr>
-        <p:cNvPr id="1" name=""/>
-        <p:cNvGrpSpPr/>
-        <p:nvPr/>
-      </p:nvGrpSpPr>
-      <p:grpSpPr>
-        <a:xfrm>
-          <a:off x="0" y="0"/>
-          <a:ext cx="0" cy="0"/>
-          <a:chOff x="0" y="0"/>
-          <a:chExt cx="0" cy="0"/>
-        </a:xfrm>
-      </p:grpSpPr>
-      <p:sp>
-        <p:nvSpPr>
-          <p:cNvPr id="2" name="Slide Image Placeholder 1"/>
-          <p:cNvSpPr>
-            <a:spLocks noGrp="1" noRot="1" noChangeAspect="1"/>
-          </p:cNvSpPr>
-          <p:nvPr>
-            <p:ph type="sldImg"/>
-          </p:nvPr>
-        </p:nvSpPr>
-        <p:spPr>
-          <a:xfrm>
-            <a:off x="685800" y="1143000"/>
-            <a:ext cx="5486400" cy="3086100"/>
-          </a:xfrm>
-        </p:spPr>
-      </p:sp>
-      <p:sp>
-        <p:nvSpPr>
-          <p:cNvPr id="3" name="Notes Placeholder 2"/>
-          <p:cNvSpPr>
-            <a:spLocks noGrp="1"/>
-          </p:cNvSpPr>
-          <p:nvPr>
-            <p:ph type="body" idx="1"/>
-          </p:nvPr>
-        </p:nvSpPr>
-        <p:spPr/>
-        <p:txBody>
-          <a:bodyPr/>
-          <a:lstStyle/>
-          <a:p>
-            <a:pPr marL="0" lvl="0" indent="0">
-              <a:buNone/>
-            </a:pPr>
-            <a:r>
-              <a:rPr/>
-              <a:t>[6 mins]</a:t>
-            </a:r>
-          </a:p>
-          <a:p>
-            <a:pPr marL="0" lvl="0" indent="0">
-              <a:buNone/>
-            </a:pPr>
-            <a:endParaRPr/>
-          </a:p>
-          <a:p>
-            <a:pPr lvl="1"/>
-            <a:r>
-              <a:rPr/>
-              <a:t>Break up learners into groups of 3-4 and ask learners to examine:</a:t>
-            </a:r>
-          </a:p>
-          <a:p>
-            <a:pPr marL="0" lvl="0" indent="0">
-              <a:buNone/>
-            </a:pPr>
-            <a:endParaRPr/>
-          </a:p>
-          <a:p>
-            <a:pPr lvl="1"/>
-            <a:r>
-              <a:rPr/>
-              <a:t>Ask learners:</a:t>
-            </a:r>
-          </a:p>
-          <a:p>
-            <a:pPr marL="0" lvl="0" indent="0">
-              <a:buNone/>
-            </a:pPr>
-            <a:endParaRPr/>
-          </a:p>
-          <a:p>
-            <a:pPr lvl="2"/>
-            <a:r>
-              <a:rPr/>
-              <a:t>How did these lists compare with your own list?</a:t>
-            </a:r>
-          </a:p>
-          <a:p>
-            <a:pPr marL="0" lvl="0" indent="0">
-              <a:buNone/>
-            </a:pPr>
-            <a:endParaRPr/>
-          </a:p>
-          <a:p>
-            <a:pPr lvl="2"/>
-            <a:r>
-              <a:rPr/>
-              <a:t>What did you learn that you didn’t know before?</a:t>
-            </a:r>
-            <a:r>
-              <a:t/>
-            </a:r>
-            <a:br/>
-            <a:endParaRPr/>
-          </a:p>
-          <a:p>
-            <a:pPr marL="0" lvl="0" indent="0">
-              <a:buNone/>
-            </a:pPr>
-            <a:endParaRPr/>
-          </a:p>
-          <a:p>
-            <a:pPr lvl="2"/>
-            <a:r>
-              <a:rPr/>
-              <a:t>What if anything is missing from these lists?</a:t>
-            </a:r>
-            <a:r>
-              <a:t/>
-            </a:r>
-            <a:br/>
-            <a:endParaRPr/>
-          </a:p>
-          <a:p>
-            <a:pPr marL="0" lvl="0" indent="0">
-              <a:buNone/>
-            </a:pPr>
-            <a:endParaRPr/>
-          </a:p>
-          <a:p>
-            <a:pPr lvl="2"/>
-            <a:r>
-              <a:rPr/>
-              <a:t>How would you encourage others to practice good research/fact-checking techniques?</a:t>
-            </a:r>
-          </a:p>
-          <a:p>
-            <a:pPr marL="0" lvl="0" indent="0">
-              <a:buNone/>
-            </a:pPr>
-            <a:endParaRPr/>
-          </a:p>
-          <a:p>
-            <a:pPr lvl="1"/>
-            <a:r>
-              <a:rPr/>
-              <a:t>Tip! Explain to learners that some of these lists are made for and by journalists, who write and publish news– before the internet, these were the “gatekeepers” of factual information. What does it mean to be a gatekeeper? Are today’s users of social media– you, if you use and post on social media– also potential “gatekeepers” of factual information?</a:t>
-            </a:r>
-          </a:p>
-          <a:p>
-            <a:pPr marL="0" lvl="0" indent="0">
-              <a:buNone/>
-            </a:pPr>
-            <a:endParaRPr/>
-          </a:p>
-          <a:p>
-            <a:pPr lvl="1"/>
-            <a:r>
-              <a:rPr/>
-              <a:t>Tip! If time allows, you might consider the adding following activity, which explores how to Fake Your Own News: https://nucleus-network.github.io/missioninfo/activities/fakenews.html#overview</a:t>
-            </a:r>
-          </a:p>
-          <a:p>
-            <a:pPr marL="0" lvl="0" indent="0">
-              <a:buNone/>
-            </a:pPr>
-            <a:endParaRPr/>
-          </a:p>
-          <a:p>
-            <a:pPr lvl="1"/>
-            <a:r>
-              <a:rPr/>
-              <a:t>Explain to learners that there are a number of sites dedicated to fact-checking news, as well as pop culture information and urban legends. Politifact.com, FactCheck.org and the Washington Post’s Fact Checker Blog cover news. Snopes.com covers news as well as pop culture.</a:t>
-            </a:r>
-          </a:p>
-          <a:p>
-            <a:pPr marL="0" lvl="0" indent="0">
-              <a:buNone/>
-            </a:pPr>
-            <a:endParaRPr/>
-          </a:p>
-          <a:p>
-            <a:pPr lvl="1"/>
-            <a:r>
-              <a:rPr/>
-              <a:t>Ask learners:</a:t>
-            </a:r>
-          </a:p>
-          <a:p>
-            <a:pPr marL="0" lvl="0" indent="0">
-              <a:buNone/>
-            </a:pPr>
-            <a:endParaRPr/>
-          </a:p>
-          <a:p>
-            <a:pPr lvl="2"/>
-            <a:r>
-              <a:rPr/>
-              <a:t>Have they used sites like this?</a:t>
-            </a:r>
-          </a:p>
-          <a:p>
-            <a:pPr marL="0" lvl="0" indent="0">
-              <a:buNone/>
-            </a:pPr>
-            <a:endParaRPr/>
-          </a:p>
-          <a:p>
-            <a:pPr lvl="2"/>
-            <a:r>
-              <a:rPr/>
-              <a:t>Are they likely to?</a:t>
-            </a:r>
-          </a:p>
-          <a:p>
-            <a:pPr marL="0" lvl="0" indent="0">
-              <a:buNone/>
-            </a:pPr>
-            <a:endParaRPr/>
-          </a:p>
-          <a:p>
-            <a:pPr lvl="2"/>
-            <a:r>
-              <a:rPr/>
-              <a:t>How might the assess the reliability of these site?</a:t>
-            </a:r>
-          </a:p>
-          <a:p>
-            <a:pPr marL="0" lvl="0" indent="0">
-              <a:buNone/>
-            </a:pPr>
-            <a:endParaRPr/>
-          </a:p>
-          <a:p>
-            <a:pPr marL="0" lvl="0" indent="0">
-              <a:spcBef>
-                <a:spcPts val="3000"/>
-              </a:spcBef>
-              <a:buNone/>
-            </a:pPr>
-            <a:r>
-              <a:rPr b="1"/>
-              <a:t>Learning Experience Reflection</a:t>
-            </a:r>
-          </a:p>
-          <a:p>
-            <a:pPr marL="0" lvl="0" indent="0">
-              <a:buNone/>
-            </a:pPr>
-            <a:endParaRPr b="1"/>
-          </a:p>
-          <a:p>
-            <a:pPr marL="0" lvl="0" indent="0">
-              <a:buNone/>
-            </a:pPr>
-            <a:r>
-              <a:rPr/>
-              <a:t>[5 mins]</a:t>
-            </a:r>
-          </a:p>
-          <a:p>
-            <a:pPr marL="0" lvl="0" indent="0">
-              <a:buNone/>
-            </a:pPr>
-            <a:endParaRPr/>
-          </a:p>
-          <a:p>
-            <a:pPr lvl="1"/>
-            <a:r>
-              <a:rPr/>
-              <a:t>What did you like about this activity?</a:t>
-            </a:r>
-          </a:p>
-          <a:p>
-            <a:pPr marL="0" lvl="0" indent="0">
-              <a:buNone/>
-            </a:pPr>
-            <a:endParaRPr/>
-          </a:p>
-          <a:p>
-            <a:pPr lvl="1"/>
-            <a:r>
-              <a:rPr/>
-              <a:t>If you might teach this activity to a particular audience, what might you change about the process, structure, or content to better meet the needs of that audience?</a:t>
-            </a:r>
-          </a:p>
-          <a:p>
-            <a:pPr marL="0" lvl="0" indent="0">
-              <a:buNone/>
-            </a:pPr>
-            <a:endParaRPr/>
-          </a:p>
-          <a:p>
-            <a:pPr marL="0" lvl="0" indent="0">
-              <a:spcBef>
-                <a:spcPts val="3000"/>
-              </a:spcBef>
-              <a:buNone/>
-            </a:pPr>
-            <a:r>
-              <a:rPr b="1"/>
-              <a:t>Feedback on Core Curriculum</a:t>
-            </a:r>
-          </a:p>
-          <a:p>
-            <a:pPr marL="0" lvl="0" indent="0">
-              <a:buNone/>
-            </a:pPr>
-            <a:endParaRPr b="1"/>
-          </a:p>
-          <a:p>
-            <a:pPr lvl="1"/>
-            <a:r>
-              <a:rPr/>
-              <a:t>Tell us how and where you’re using the curriculum and what you’ve learned and what you might change.</a:t>
-            </a:r>
-          </a:p>
-        </p:txBody>
-      </p:sp>
-      <p:sp>
-        <p:nvSpPr>
-          <p:cNvPr id="4" name="Slide Number Placeholder 3"/>
-          <p:cNvSpPr>
-            <a:spLocks noGrp="1"/>
-          </p:cNvSpPr>
-          <p:nvPr>
-            <p:ph type="sldNum" sz="quarter" idx="10"/>
-          </p:nvPr>
-        </p:nvSpPr>
-        <p:spPr/>
-        <p:txBody>
-          <a:bodyPr/>
-          <a:lstStyle/>
-          <a:p>
-            <a:fld id="{18BDFEC3-8487-43E8-A154-7C12CBC1FFF2}" type="slidenum">
-              <a:rPr lang="en-US"/>
-              <a:t>13</a:t>
-            </a:fld>
-            <a:endParaRPr lang="en-US"/>
-          </a:p>
-        </p:txBody>
-      </p:sp>
-    </p:spTree>
-  </p:cSld>
-  <p:clrMapOvr>
-    <a:masterClrMapping/>
-  </p:clrMapOvr>
-</p:notes>
-</file>
-
 <file path=ppt/notesSlides/notesSlide2.xml><?xml version="1.0" encoding="utf-8"?>
 <p:notes xmlns:a="http://schemas.openxmlformats.org/drawingml/2006/main" xmlns:r="http://schemas.openxmlformats.org/officeDocument/2006/relationships" xmlns:p="http://schemas.openxmlformats.org/presentationml/2006/main">
   <p:cSld>
@@ -1553,7 +1194,7 @@
           <a:p>
             <a:pPr lvl="1"/>
             <a:r>
-              <a:rPr/>
+              <a:rPr dirty="0"/>
               <a:t>Facilitate a brief discussion among your learners about web sources.</a:t>
             </a:r>
           </a:p>
@@ -1561,12 +1202,12 @@
             <a:pPr marL="0" lvl="0" indent="0">
               <a:buNone/>
             </a:pPr>
-            <a:endParaRPr/>
+            <a:endParaRPr dirty="0"/>
           </a:p>
           <a:p>
             <a:pPr lvl="2"/>
             <a:r>
-              <a:rPr/>
+              <a:rPr dirty="0"/>
               <a:t>Is everything you read or watch online true?</a:t>
             </a:r>
           </a:p>
@@ -1574,12 +1215,12 @@
             <a:pPr marL="0" lvl="0" indent="0">
               <a:buNone/>
             </a:pPr>
-            <a:endParaRPr/>
+            <a:endParaRPr dirty="0"/>
           </a:p>
           <a:p>
             <a:pPr lvl="2"/>
             <a:r>
-              <a:rPr/>
+              <a:rPr dirty="0"/>
               <a:t>How do you know when information on the internet is reliable?</a:t>
             </a:r>
           </a:p>
@@ -1587,12 +1228,12 @@
             <a:pPr marL="0" lvl="0" indent="0">
               <a:buNone/>
             </a:pPr>
-            <a:endParaRPr/>
+            <a:endParaRPr dirty="0"/>
           </a:p>
           <a:p>
             <a:pPr lvl="2"/>
             <a:r>
-              <a:rPr/>
+              <a:rPr dirty="0"/>
               <a:t>How can you tell when it isn’t reliable?</a:t>
             </a:r>
           </a:p>
@@ -1600,12 +1241,12 @@
             <a:pPr marL="0" lvl="0" indent="0">
               <a:buNone/>
             </a:pPr>
-            <a:endParaRPr/>
+            <a:endParaRPr dirty="0"/>
           </a:p>
           <a:p>
             <a:pPr lvl="1"/>
             <a:r>
-              <a:rPr/>
+              <a:rPr dirty="0"/>
               <a:t>Tip! Discuss with learners the history of fake news, and ask them to give examples of fake news from the past and present, and why it may seem more prominent today (i.e. Fake news is nothing new. However because of social media, false stories can reach more people more quickly than viral emails could accomplish in the past.)</a:t>
             </a:r>
           </a:p>
@@ -1613,12 +1254,12 @@
             <a:pPr marL="0" lvl="0" indent="0">
               <a:buNone/>
             </a:pPr>
-            <a:endParaRPr/>
+            <a:endParaRPr dirty="0"/>
           </a:p>
           <a:p>
             <a:pPr lvl="1"/>
             <a:r>
-              <a:rPr/>
+              <a:rPr dirty="0"/>
               <a:t>Tip! Discuss the difference between misinformation (information that is false) and disinformation (information is false and deliberately meant to deceive).</a:t>
             </a:r>
           </a:p>
@@ -1626,30 +1267,29 @@
             <a:pPr marL="0" lvl="0" indent="0">
               <a:buNone/>
             </a:pPr>
-            <a:endParaRPr/>
+            <a:endParaRPr dirty="0"/>
           </a:p>
           <a:p>
             <a:pPr lvl="2"/>
             <a:r>
-              <a:rPr/>
+              <a:rPr dirty="0"/>
               <a:t>Point out that we can pay attention to what we’re noticing and feeling online, and use these responses plus a set of criteria to help us be better web detectives.</a:t>
             </a:r>
-            <a:r>
-              <a:t/>
-            </a:r>
-            <a:br/>
-            <a:endParaRPr/>
+            <a:br>
+              <a:rPr dirty="0"/>
+            </a:br>
+            <a:endParaRPr dirty="0"/>
           </a:p>
           <a:p>
             <a:pPr marL="0" lvl="0" indent="0">
               <a:buNone/>
             </a:pPr>
-            <a:endParaRPr/>
+            <a:endParaRPr dirty="0"/>
           </a:p>
           <a:p>
             <a:pPr lvl="1"/>
             <a:r>
-              <a:rPr/>
+              <a:rPr dirty="0"/>
               <a:t>Tip! A remix of this is to talk about advertising strategies, hype, etc. that web media is often designed to elicit specific feelings.</a:t>
             </a:r>
           </a:p>
@@ -1907,7 +1547,7 @@
               <a:buNone/>
             </a:pPr>
             <a:r>
-              <a:rPr/>
+              <a:rPr dirty="0" smtClean="0"/>
               <a:t>[20 minutes]</a:t>
             </a:r>
           </a:p>
@@ -1915,14 +1555,23 @@
             <a:pPr marL="0" lvl="0" indent="0">
               <a:buNone/>
             </a:pPr>
-            <a:endParaRPr/>
+            <a:endParaRPr dirty="0" smtClean="0"/>
           </a:p>
           <a:p>
             <a:pPr lvl="1"/>
             <a:r>
-              <a:rPr/>
-              <a:t>Split learners into groups of 2 or 3. Explain that each group’s challenge is to examine the following seven sources for evidence that the Kraken, a 100- to 120-foot tentacled sea creature that attacks and sink ships, is real.</a:t>
-            </a:r>
+              <a:rPr dirty="0" smtClean="0"/>
+              <a:t>Split learners into groups of 2 or 3. Explain that each group’s challenge is to examine the following seven sources for evidence that the Kraken, a 100- to 120-foot </a:t>
+            </a:r>
+            <a:r>
+              <a:rPr dirty="0" err="1" smtClean="0"/>
+              <a:t>tentacled</a:t>
+            </a:r>
+            <a:r>
+              <a:rPr dirty="0" smtClean="0"/>
+              <a:t> sea creature that attacks and sink ships, is real.</a:t>
+            </a:r>
+            <a:endParaRPr dirty="0"/>
           </a:p>
         </p:txBody>
       </p:sp>
@@ -2008,8 +1657,209 @@
           <a:p>
             <a:pPr lvl="1"/>
             <a:r>
-              <a:rPr/>
-              <a:t>NOTE: These represent two different sets of stories: 1-4 about a shape found in a google Earth image and 5-8 about new underwater video footage. Facilitator can limit to 1-4 or 5-8 as needed, or give each group a different set.</a:t>
+              <a:rPr dirty="0"/>
+              <a:t>Groups should spend 20 minutes researching together. Facilitator frames this activity</a:t>
+            </a:r>
+            <a:r>
+              <a:rPr dirty="0" smtClean="0"/>
+              <a:t>:</a:t>
+            </a:r>
+            <a:endParaRPr lang="en-GB" dirty="0" smtClean="0"/>
+          </a:p>
+          <a:p>
+            <a:pPr lvl="1"/>
+            <a:endParaRPr lang="en-GB" dirty="0" smtClean="0"/>
+          </a:p>
+          <a:p>
+            <a:pPr lvl="1"/>
+            <a:r>
+              <a:rPr lang="en-GB" dirty="0" smtClean="0"/>
+              <a:t>Using </a:t>
+            </a:r>
+            <a:r>
+              <a:rPr lang="en-GB" dirty="0" err="1" smtClean="0"/>
+              <a:t>impero</a:t>
+            </a:r>
+            <a:r>
+              <a:rPr lang="en-GB" dirty="0" smtClean="0"/>
+              <a:t> “Run file” the file</a:t>
+            </a:r>
+            <a:r>
+              <a:rPr lang="en-GB" baseline="0" dirty="0" smtClean="0"/>
+              <a:t> is “</a:t>
+            </a:r>
+            <a:r>
+              <a:rPr lang="en-GB" baseline="0" dirty="0" err="1" smtClean="0"/>
+              <a:t>msedge</a:t>
+            </a:r>
+            <a:r>
+              <a:rPr lang="en-GB" baseline="0" dirty="0" smtClean="0"/>
+              <a:t>” the command line options are “http://www.mirror.co.uk/news/world-news/legendary-120m-kraken-sea-monster-8215560 http://www.ufosightingsdaily.com/2016/06/60-meter-giant-squid-found-on-google.html http://www.orlandosentinel.com/features/gone-viral/os-thats-not-the-kraken-on-google-earth-its-a-rock-20160621-story.html http://www.southernfriedscience.com/did-monster-hunters-find-a-120-meter-long-giant-squid-on-google-maps/ http://www.npr.org/2013/01/13/169274472/the-kraken-is-real-scientist-films-first-footage-of-a-giant-squid http://www.foxnews.com/science/2013/01/24/video-kraken-in-natural-habitat-released.html https://www.scientificamerican.com/article/live-giant-squid-filmed-in-deep-ocean/ https://www.greenprophet.com/2013/01/kraken-sea-monster-video/”</a:t>
+            </a:r>
+            <a:endParaRPr dirty="0"/>
+          </a:p>
+          <a:p>
+            <a:pPr marL="0" lvl="0" indent="0">
+              <a:buNone/>
+            </a:pPr>
+            <a:endParaRPr dirty="0"/>
+          </a:p>
+          <a:p>
+            <a:pPr lvl="2"/>
+            <a:r>
+              <a:rPr dirty="0"/>
+              <a:t>Remind learners that they’ve got a fairly specific question, “is the Kraken, a 100- to 120-foot </a:t>
+            </a:r>
+            <a:r>
+              <a:rPr dirty="0" err="1"/>
+              <a:t>tentacled</a:t>
+            </a:r>
+            <a:r>
+              <a:rPr dirty="0"/>
+              <a:t> sea creature that attacks and sink ships, real?”</a:t>
+            </a:r>
+          </a:p>
+          <a:p>
+            <a:pPr marL="0" lvl="0" indent="0">
+              <a:buNone/>
+            </a:pPr>
+            <a:endParaRPr dirty="0"/>
+          </a:p>
+          <a:p>
+            <a:pPr lvl="2"/>
+            <a:r>
+              <a:rPr dirty="0"/>
+              <a:t>Write the question and post it in the room, ensure that there aren’t any questions or confusion about this question and that it’s clear to everyone.</a:t>
+            </a:r>
+          </a:p>
+          <a:p>
+            <a:pPr marL="0" lvl="0" indent="0">
+              <a:buNone/>
+            </a:pPr>
+            <a:endParaRPr dirty="0"/>
+          </a:p>
+          <a:p>
+            <a:pPr lvl="2"/>
+            <a:r>
+              <a:rPr dirty="0"/>
+              <a:t>Suggest that learners use the research question to guide their work.</a:t>
+            </a:r>
+          </a:p>
+          <a:p>
+            <a:pPr marL="0" lvl="0" indent="0">
+              <a:buNone/>
+            </a:pPr>
+            <a:endParaRPr dirty="0"/>
+          </a:p>
+          <a:p>
+            <a:pPr lvl="2"/>
+            <a:r>
+              <a:rPr dirty="0"/>
+              <a:t>Hand out blank score sheets to track evaluation of each site.</a:t>
+            </a:r>
+          </a:p>
+          <a:p>
+            <a:pPr marL="0" lvl="0" indent="0">
+              <a:buNone/>
+            </a:pPr>
+            <a:endParaRPr dirty="0"/>
+          </a:p>
+          <a:p>
+            <a:pPr lvl="2"/>
+            <a:r>
+              <a:rPr dirty="0"/>
+              <a:t>Explain that learners should summarize the content of each site in a few points at the top of the sheet– the basic idea or message</a:t>
+            </a:r>
+          </a:p>
+          <a:p>
+            <a:pPr marL="0" lvl="0" indent="0">
+              <a:buNone/>
+            </a:pPr>
+            <a:endParaRPr dirty="0"/>
+          </a:p>
+          <a:p>
+            <a:pPr lvl="2"/>
+            <a:r>
+              <a:rPr dirty="0"/>
+              <a:t>Ask learners to list:</a:t>
+            </a:r>
+          </a:p>
+          <a:p>
+            <a:pPr marL="0" lvl="0" indent="0">
+              <a:buNone/>
+            </a:pPr>
+            <a:endParaRPr dirty="0"/>
+          </a:p>
+          <a:p>
+            <a:pPr lvl="3"/>
+            <a:r>
+              <a:rPr dirty="0"/>
+              <a:t>the agreed upon rules (and any other they want to use) in column 1</a:t>
+            </a:r>
+          </a:p>
+          <a:p>
+            <a:pPr marL="0" lvl="0" indent="0">
+              <a:buNone/>
+            </a:pPr>
+            <a:endParaRPr dirty="0"/>
+          </a:p>
+          <a:p>
+            <a:pPr lvl="3"/>
+            <a:r>
+              <a:rPr dirty="0"/>
+              <a:t>Scores (plus/minus) go in column 2</a:t>
+            </a:r>
+          </a:p>
+          <a:p>
+            <a:pPr marL="0" lvl="0" indent="0">
+              <a:buNone/>
+            </a:pPr>
+            <a:endParaRPr dirty="0"/>
+          </a:p>
+          <a:p>
+            <a:pPr lvl="3"/>
+            <a:r>
+              <a:rPr dirty="0"/>
+              <a:t>Notes and comments go in column 3 – what do you notice? How does the site look? How does the content make you feel?</a:t>
+            </a:r>
+          </a:p>
+          <a:p>
+            <a:pPr marL="0" lvl="0" indent="0">
+              <a:buNone/>
+            </a:pPr>
+            <a:endParaRPr dirty="0"/>
+          </a:p>
+          <a:p>
+            <a:pPr lvl="1"/>
+            <a:r>
+              <a:rPr dirty="0"/>
+              <a:t>Tips! Encourage learners to talk through their thinking and observations together while they explore and score.</a:t>
+            </a:r>
+          </a:p>
+          <a:p>
+            <a:pPr marL="0" lvl="0" indent="0">
+              <a:buNone/>
+            </a:pPr>
+            <a:endParaRPr dirty="0"/>
+          </a:p>
+          <a:p>
+            <a:pPr lvl="1"/>
+            <a:r>
+              <a:rPr dirty="0"/>
+              <a:t>Tips! Encourage learners to click around the websites where these stories were posted for more info about the source, the author, the sponsors, etc.</a:t>
+            </a:r>
+          </a:p>
+          <a:p>
+            <a:pPr marL="0" lvl="0" indent="0">
+              <a:buNone/>
+            </a:pPr>
+            <a:endParaRPr dirty="0"/>
+          </a:p>
+          <a:p>
+            <a:pPr lvl="1"/>
+            <a:r>
+              <a:rPr dirty="0"/>
+              <a:t>Tips! Encourage learners to think about the timeline of the stories– when did they appear? which are most recent? How are the sources and stories connected?</a:t>
             </a:r>
           </a:p>
         </p:txBody>
@@ -2094,167 +1944,44 @@
           <a:bodyPr/>
           <a:lstStyle/>
           <a:p>
-            <a:pPr lvl="1"/>
-            <a:r>
-              <a:rPr/>
-              <a:t>Groups should spend 20 minutes researching together. Facilitator frames this activity:</a:t>
-            </a:r>
-          </a:p>
-          <a:p>
             <a:pPr marL="0" lvl="0" indent="0">
               <a:buNone/>
             </a:pPr>
-            <a:endParaRPr/>
-          </a:p>
-          <a:p>
-            <a:pPr lvl="2"/>
-            <a:r>
-              <a:rPr/>
-              <a:t>Remind learners that they’ve got a fairly specific question, “is the Kraken, a 100- to 120-foot tentacled sea creature that attacks and sink ships, real?”</a:t>
+            <a:r>
+              <a:rPr dirty="0"/>
+              <a:t>[10-20 minutes]</a:t>
             </a:r>
           </a:p>
           <a:p>
             <a:pPr marL="0" lvl="0" indent="0">
               <a:buNone/>
             </a:pPr>
-            <a:endParaRPr/>
-          </a:p>
-          <a:p>
-            <a:pPr lvl="2"/>
-            <a:r>
-              <a:rPr/>
-              <a:t>Write the question and post it in the room, ensure that there aren’t any questions or confusion about this question and that it’s clear to everyone.</a:t>
+            <a:endParaRPr dirty="0"/>
+          </a:p>
+          <a:p>
+            <a:pPr lvl="0" indent="0">
+              <a:buNone/>
+            </a:pPr>
+            <a:r>
+              <a:rPr dirty="0">
+                <a:latin typeface="Courier"/>
+              </a:rPr>
+              <a:t>* Did anything surprise you?
+* Was there a difference between the headline and the main idea? 
+* What differences did you notice in the story from site to site?
+* What did you feel when reading or looking at the sites? Were some more fun/exciting than others? 
+* Which sites felt most trustworthy? Which didn’t? Did you validate sources online? 
+* Are there any new rules you’d propose for the list?
+* Who owns the site? How can we discover the site’s purpose? When was the page created? </a:t>
             </a:r>
           </a:p>
           <a:p>
             <a:pPr marL="0" lvl="0" indent="0">
               <a:buNone/>
             </a:pPr>
-            <a:endParaRPr/>
-          </a:p>
-          <a:p>
-            <a:pPr lvl="2"/>
-            <a:r>
-              <a:rPr/>
-              <a:t>Suggest that learners use the research question to guide their work.</a:t>
-            </a:r>
-          </a:p>
-          <a:p>
-            <a:pPr marL="0" lvl="0" indent="0">
-              <a:buNone/>
-            </a:pPr>
-            <a:endParaRPr/>
-          </a:p>
-          <a:p>
-            <a:pPr lvl="2"/>
-            <a:r>
-              <a:rPr/>
-              <a:t>Hand out blank score sheets to track evaluation of each site.</a:t>
-            </a:r>
-          </a:p>
-          <a:p>
-            <a:pPr marL="0" lvl="0" indent="0">
-              <a:buNone/>
-            </a:pPr>
-            <a:endParaRPr/>
-          </a:p>
-          <a:p>
-            <a:pPr lvl="2"/>
-            <a:r>
-              <a:rPr/>
-              <a:t>Explain that learners should summarize the content of each site in a few points at the top of the sheet– the basic idea or message</a:t>
-            </a:r>
-          </a:p>
-          <a:p>
-            <a:pPr marL="0" lvl="0" indent="0">
-              <a:buNone/>
-            </a:pPr>
-            <a:endParaRPr/>
-          </a:p>
-          <a:p>
-            <a:pPr lvl="2"/>
-            <a:r>
-              <a:rPr/>
-              <a:t>Ask learners to list:</a:t>
-            </a:r>
-          </a:p>
-          <a:p>
-            <a:pPr marL="0" lvl="0" indent="0">
-              <a:buNone/>
-            </a:pPr>
-            <a:endParaRPr/>
-          </a:p>
-          <a:p>
-            <a:pPr lvl="3"/>
-            <a:r>
-              <a:rPr/>
-              <a:t>the agreed upon rules (and any other they want to use) in column 1</a:t>
-            </a:r>
-          </a:p>
-          <a:p>
-            <a:pPr marL="0" lvl="0" indent="0">
-              <a:buNone/>
-            </a:pPr>
-            <a:endParaRPr/>
-          </a:p>
-          <a:p>
-            <a:pPr lvl="3"/>
-            <a:r>
-              <a:rPr/>
-              <a:t>Scores (plus/minus) go in column 2</a:t>
-            </a:r>
-          </a:p>
-          <a:p>
-            <a:pPr marL="0" lvl="0" indent="0">
-              <a:buNone/>
-            </a:pPr>
-            <a:endParaRPr/>
-          </a:p>
-          <a:p>
-            <a:pPr lvl="3"/>
-            <a:r>
-              <a:rPr/>
-              <a:t>Notes and comments go in column 3 – what do you notice? How does the site look? How does the content make you feel?</a:t>
-            </a:r>
-          </a:p>
-          <a:p>
-            <a:pPr marL="0" lvl="0" indent="0">
-              <a:buNone/>
-            </a:pPr>
-            <a:endParaRPr/>
-          </a:p>
-          <a:p>
-            <a:pPr lvl="1"/>
-            <a:r>
-              <a:rPr/>
-              <a:t>Tips! Encourage learners to talk through their thinking and observations together while they explore and score.</a:t>
-            </a:r>
-          </a:p>
-          <a:p>
-            <a:pPr marL="0" lvl="0" indent="0">
-              <a:buNone/>
-            </a:pPr>
-            <a:endParaRPr/>
-          </a:p>
-          <a:p>
-            <a:pPr lvl="1"/>
-            <a:r>
-              <a:rPr/>
-              <a:t>Tips! Encourage learners to click around the websites where these stories were posted for more info about the source, the author, the sponsors, etc.</a:t>
-            </a:r>
-          </a:p>
-          <a:p>
-            <a:pPr marL="0" lvl="0" indent="0">
-              <a:buNone/>
-            </a:pPr>
-            <a:endParaRPr/>
-          </a:p>
-          <a:p>
-            <a:pPr lvl="1"/>
-            <a:r>
-              <a:rPr/>
-              <a:t>Tips! Encourage learners to think about the timeline of the stories– when did they appear? which are most recent? How are the sources and stories connected?</a:t>
-            </a:r>
+            <a:endParaRPr dirty="0">
+              <a:latin typeface="Courier"/>
+            </a:endParaRPr>
           </a:p>
         </p:txBody>
       </p:sp>
@@ -2342,72 +2069,133 @@
               <a:buNone/>
             </a:pPr>
             <a:r>
-              <a:rPr/>
-              <a:t>[10-20 minutes]</a:t>
+              <a:rPr dirty="0"/>
+              <a:t>[15-20 </a:t>
+            </a:r>
+            <a:r>
+              <a:rPr dirty="0" err="1"/>
+              <a:t>mins</a:t>
+            </a:r>
+            <a:r>
+              <a:rPr dirty="0"/>
+              <a:t>]</a:t>
             </a:r>
           </a:p>
           <a:p>
             <a:pPr marL="0" lvl="0" indent="0">
               <a:buNone/>
             </a:pPr>
-            <a:endParaRPr/>
-          </a:p>
-          <a:p>
-            <a:pPr lvl="0" indent="0">
-              <a:buNone/>
-            </a:pPr>
-            <a:r>
-              <a:rPr>
-                <a:latin typeface="Courier"/>
-              </a:rPr>
-              <a:t>* Did anything surprise you?
-* Was there a difference between the headline and the main idea? 
-* What differences did you notice in the story from site to site?
-* What did you feel when reading or looking at the sites? Were some more fun/exciting than others? 
-* Which sites felt most trustworthy? Which didn’t? Did you validate sources online? 
-* Are there any new rules you’d propose for the list?
-* Who owns the site? How can we discover the site’s purpose? When was the page created? </a:t>
+            <a:endParaRPr dirty="0"/>
+          </a:p>
+          <a:p>
+            <a:pPr lvl="1"/>
+            <a:r>
+              <a:rPr dirty="0"/>
+              <a:t>Explain to learners that they’ve tested their list on a set of curated resources– news items that were picked in advance. Now, they can test out their lists on news and info sources that they find, “in the wild.”</a:t>
             </a:r>
           </a:p>
           <a:p>
             <a:pPr marL="0" lvl="0" indent="0">
               <a:buNone/>
             </a:pPr>
-            <a:endParaRPr>
-              <a:latin typeface="Courier"/>
-            </a:endParaRPr>
+            <a:endParaRPr dirty="0"/>
           </a:p>
           <a:p>
             <a:pPr lvl="1"/>
             <a:r>
-              <a:rPr/>
-              <a:t>Revise the list of rules, and discuss as needed.</a:t>
+              <a:rPr dirty="0"/>
+              <a:t>Brainstorm with learners, or assign a question that is controversial– either from the news or pop culture.</a:t>
             </a:r>
           </a:p>
           <a:p>
             <a:pPr marL="0" lvl="0" indent="0">
               <a:buNone/>
             </a:pPr>
-            <a:endParaRPr/>
+            <a:endParaRPr dirty="0"/>
           </a:p>
           <a:p>
             <a:pPr lvl="1"/>
             <a:r>
-              <a:rPr/>
-              <a:t>Share results of the research question– what are their answers? How did the list of rules help?</a:t>
+              <a:rPr dirty="0"/>
+              <a:t>Tip! Be sure learners frame their question clearly, that it is focused on proving or disproving a specific fact .</a:t>
             </a:r>
           </a:p>
           <a:p>
             <a:pPr marL="0" lvl="0" indent="0">
               <a:buNone/>
             </a:pPr>
-            <a:endParaRPr/>
+            <a:endParaRPr dirty="0"/>
           </a:p>
           <a:p>
             <a:pPr lvl="1"/>
             <a:r>
-              <a:rPr/>
-              <a:t>Conclusion: Given these stories, we can say that the kraken, a 100- to 120-foot tentacled sea creature that attacks and sink ships, is probably NOT real. In the first story, a rock island is mistaken for a kraken. In the second story, video has been shot of a giant squid, but it is much smaller and shyer than the kraken we are looking for, though it may have inspired the legends.</a:t>
+              <a:rPr dirty="0"/>
+              <a:t>Ask learners to do a web search to find 3 or 4 different sources on this controversy.</a:t>
+            </a:r>
+          </a:p>
+          <a:p>
+            <a:pPr marL="0" lvl="0" indent="0">
+              <a:buNone/>
+            </a:pPr>
+            <a:endParaRPr dirty="0"/>
+          </a:p>
+          <a:p>
+            <a:pPr lvl="1"/>
+            <a:r>
+              <a:rPr dirty="0"/>
+              <a:t>Ask them to use the same process in the previous section to evaluate the claim.</a:t>
+            </a:r>
+          </a:p>
+          <a:p>
+            <a:pPr marL="0" lvl="0" indent="0">
+              <a:buNone/>
+            </a:pPr>
+            <a:endParaRPr dirty="0"/>
+          </a:p>
+          <a:p>
+            <a:pPr lvl="1"/>
+            <a:r>
+              <a:rPr dirty="0"/>
+              <a:t>Bring the group back together to share results. Ask learners:</a:t>
+            </a:r>
+          </a:p>
+          <a:p>
+            <a:pPr marL="0" lvl="0" indent="0">
+              <a:buNone/>
+            </a:pPr>
+            <a:endParaRPr dirty="0"/>
+          </a:p>
+          <a:p>
+            <a:pPr lvl="2"/>
+            <a:r>
+              <a:rPr dirty="0"/>
+              <a:t>Were some of the results different, or was there a consensus?</a:t>
+            </a:r>
+          </a:p>
+          <a:p>
+            <a:pPr marL="0" lvl="0" indent="0">
+              <a:buNone/>
+            </a:pPr>
+            <a:endParaRPr dirty="0"/>
+          </a:p>
+          <a:p>
+            <a:pPr lvl="2"/>
+            <a:r>
+              <a:rPr dirty="0"/>
+              <a:t>Which sources were reliable? Which sources did you decide were unreliable?</a:t>
+            </a:r>
+          </a:p>
+          <a:p>
+            <a:pPr marL="0" lvl="0" indent="0">
+              <a:buNone/>
+            </a:pPr>
+            <a:endParaRPr dirty="0"/>
+          </a:p>
+          <a:p>
+            <a:pPr lvl="2"/>
+            <a:r>
+              <a:rPr dirty="0"/>
+              <a:t>Is there anything you’d add or change to your list?</a:t>
             </a:r>
           </a:p>
         </p:txBody>
@@ -2429,7 +2217,7 @@
           <a:p>
             <a:fld id="{18BDFEC3-8487-43E8-A154-7C12CBC1FFF2}" type="slidenum">
               <a:rPr lang="en-US"/>
-              <a:t>11</a:t>
+              <a:t>12</a:t>
             </a:fld>
             <a:endParaRPr lang="en-US"/>
           </a:p>
@@ -2496,125 +2284,291 @@
               <a:buNone/>
             </a:pPr>
             <a:r>
-              <a:rPr/>
-              <a:t>[15-20 mins]</a:t>
+              <a:rPr dirty="0"/>
+              <a:t>[6 </a:t>
+            </a:r>
+            <a:r>
+              <a:rPr dirty="0" err="1"/>
+              <a:t>mins</a:t>
+            </a:r>
+            <a:r>
+              <a:rPr dirty="0"/>
+              <a:t>]</a:t>
             </a:r>
           </a:p>
           <a:p>
             <a:pPr marL="0" lvl="0" indent="0">
               <a:buNone/>
             </a:pPr>
-            <a:endParaRPr/>
+            <a:endParaRPr dirty="0"/>
           </a:p>
           <a:p>
             <a:pPr lvl="1"/>
             <a:r>
-              <a:rPr/>
-              <a:t>Explain to learners that they’ve tested their list on a set of curated resources– news items that were picked in advance. Now, they can test out their lists on news and info sources that they find, “in the wild.”</a:t>
+              <a:rPr dirty="0"/>
+              <a:t>Break up learners into groups of 3-4 and ask learners to examine:</a:t>
             </a:r>
           </a:p>
           <a:p>
             <a:pPr marL="0" lvl="0" indent="0">
               <a:buNone/>
             </a:pPr>
-            <a:endParaRPr/>
+            <a:endParaRPr dirty="0"/>
           </a:p>
           <a:p>
             <a:pPr lvl="1"/>
             <a:r>
-              <a:rPr/>
-              <a:t>Brainstorm with learners, or assign a question that is controversial– either from the news or pop culture.</a:t>
+              <a:rPr dirty="0"/>
+              <a:t>Ask learners:</a:t>
             </a:r>
           </a:p>
           <a:p>
             <a:pPr marL="0" lvl="0" indent="0">
               <a:buNone/>
             </a:pPr>
-            <a:endParaRPr/>
+            <a:endParaRPr dirty="0"/>
+          </a:p>
+          <a:p>
+            <a:pPr lvl="2"/>
+            <a:r>
+              <a:rPr dirty="0"/>
+              <a:t>How did these lists compare with your own list?</a:t>
+            </a:r>
+          </a:p>
+          <a:p>
+            <a:pPr marL="0" lvl="0" indent="0">
+              <a:buNone/>
+            </a:pPr>
+            <a:endParaRPr dirty="0"/>
+          </a:p>
+          <a:p>
+            <a:pPr lvl="2"/>
+            <a:r>
+              <a:rPr dirty="0"/>
+              <a:t>What did you learn that you didn’t know before?</a:t>
+            </a:r>
+            <a:br>
+              <a:rPr dirty="0"/>
+            </a:br>
+            <a:endParaRPr dirty="0"/>
+          </a:p>
+          <a:p>
+            <a:pPr marL="0" lvl="0" indent="0">
+              <a:buNone/>
+            </a:pPr>
+            <a:endParaRPr dirty="0"/>
+          </a:p>
+          <a:p>
+            <a:pPr lvl="2"/>
+            <a:r>
+              <a:rPr dirty="0"/>
+              <a:t>What if anything is missing from these lists?</a:t>
+            </a:r>
+            <a:br>
+              <a:rPr dirty="0"/>
+            </a:br>
+            <a:endParaRPr dirty="0"/>
+          </a:p>
+          <a:p>
+            <a:pPr marL="0" lvl="0" indent="0">
+              <a:buNone/>
+            </a:pPr>
+            <a:endParaRPr dirty="0"/>
+          </a:p>
+          <a:p>
+            <a:pPr lvl="2"/>
+            <a:r>
+              <a:rPr dirty="0"/>
+              <a:t>How would you encourage others to practice good research/fact-checking techniques?</a:t>
+            </a:r>
+          </a:p>
+          <a:p>
+            <a:pPr marL="0" lvl="0" indent="0">
+              <a:buNone/>
+            </a:pPr>
+            <a:endParaRPr dirty="0"/>
           </a:p>
           <a:p>
             <a:pPr lvl="1"/>
             <a:r>
-              <a:rPr/>
-              <a:t>Tip! Be sure learners frame their question clearly, that it is focused on proving or disproving a specific fact .</a:t>
+              <a:rPr dirty="0"/>
+              <a:t>Tip! Explain to learners that some of these lists are made for and by journalists, who write and publish news– before the internet, these were the “gatekeepers” of factual information. What does it mean to be a gatekeeper? Are today’s users of social media– you, if you use and post on social media– also potential “gatekeepers” of factual information?</a:t>
             </a:r>
           </a:p>
           <a:p>
             <a:pPr marL="0" lvl="0" indent="0">
               <a:buNone/>
             </a:pPr>
-            <a:endParaRPr/>
+            <a:endParaRPr dirty="0"/>
           </a:p>
           <a:p>
             <a:pPr lvl="1"/>
             <a:r>
-              <a:rPr/>
-              <a:t>Ask learners to do a web search to find 3 or 4 different sources on this controversy.</a:t>
+              <a:rPr dirty="0"/>
+              <a:t>Tip! If time allows, you might consider the adding following activity, which explores how to Fake Your Own News: https://nucleus-network.github.io/missioninfo/activities/fakenews.html#overview</a:t>
             </a:r>
           </a:p>
           <a:p>
             <a:pPr marL="0" lvl="0" indent="0">
               <a:buNone/>
             </a:pPr>
-            <a:endParaRPr/>
+            <a:endParaRPr dirty="0"/>
           </a:p>
           <a:p>
             <a:pPr lvl="1"/>
             <a:r>
-              <a:rPr/>
-              <a:t>Ask them to use the same process in the previous section to evaluate the claim.</a:t>
+              <a:rPr dirty="0"/>
+              <a:t>Explain to learners that there are a number of sites dedicated to fact-checking news, as well as pop culture information and urban legends. Politifact.com, FactCheck.org and the Washington Post’s Fact Checker Blog cover news. Snopes.com covers news as well as pop culture.</a:t>
             </a:r>
           </a:p>
           <a:p>
             <a:pPr marL="0" lvl="0" indent="0">
               <a:buNone/>
             </a:pPr>
-            <a:endParaRPr/>
+            <a:endParaRPr dirty="0"/>
           </a:p>
           <a:p>
             <a:pPr lvl="1"/>
             <a:r>
-              <a:rPr/>
-              <a:t>Bring the group back together to share results. Ask learners:</a:t>
+              <a:rPr dirty="0"/>
+              <a:t>Ask learners:</a:t>
             </a:r>
           </a:p>
           <a:p>
             <a:pPr marL="0" lvl="0" indent="0">
               <a:buNone/>
             </a:pPr>
-            <a:endParaRPr/>
+            <a:endParaRPr dirty="0"/>
           </a:p>
           <a:p>
             <a:pPr lvl="2"/>
             <a:r>
-              <a:rPr/>
-              <a:t>Were some of the results different, or was there a consensus?</a:t>
+              <a:rPr dirty="0"/>
+              <a:t>Have they used sites like this?</a:t>
             </a:r>
           </a:p>
           <a:p>
             <a:pPr marL="0" lvl="0" indent="0">
               <a:buNone/>
             </a:pPr>
-            <a:endParaRPr/>
+            <a:endParaRPr dirty="0"/>
           </a:p>
           <a:p>
             <a:pPr lvl="2"/>
             <a:r>
-              <a:rPr/>
-              <a:t>Which sources were reliable? Which sources did you decide were unreliable?</a:t>
+              <a:rPr dirty="0"/>
+              <a:t>Are they likely to?</a:t>
             </a:r>
           </a:p>
           <a:p>
             <a:pPr marL="0" lvl="0" indent="0">
               <a:buNone/>
             </a:pPr>
-            <a:endParaRPr/>
+            <a:endParaRPr dirty="0"/>
           </a:p>
           <a:p>
             <a:pPr lvl="2"/>
             <a:r>
-              <a:rPr/>
-              <a:t>Is there anything you’d add or change to your list?</a:t>
+              <a:rPr dirty="0"/>
+              <a:t>How might the assess the reliability of these site?</a:t>
+            </a:r>
+          </a:p>
+          <a:p>
+            <a:pPr marL="0" lvl="0" indent="0">
+              <a:buNone/>
+            </a:pPr>
+            <a:endParaRPr dirty="0"/>
+          </a:p>
+          <a:p>
+            <a:pPr marL="0" lvl="0" indent="0">
+              <a:spcBef>
+                <a:spcPts val="3000"/>
+              </a:spcBef>
+              <a:buNone/>
+            </a:pPr>
+            <a:r>
+              <a:rPr b="1" dirty="0"/>
+              <a:t>Learning Experience Reflection</a:t>
+            </a:r>
+          </a:p>
+          <a:p>
+            <a:pPr marL="0" lvl="0" indent="0">
+              <a:buNone/>
+            </a:pPr>
+            <a:endParaRPr b="1" dirty="0"/>
+          </a:p>
+          <a:p>
+            <a:pPr marL="0" lvl="0" indent="0">
+              <a:buNone/>
+            </a:pPr>
+            <a:r>
+              <a:rPr dirty="0"/>
+              <a:t>[5 </a:t>
+            </a:r>
+            <a:r>
+              <a:rPr dirty="0" err="1"/>
+              <a:t>mins</a:t>
+            </a:r>
+            <a:r>
+              <a:rPr dirty="0"/>
+              <a:t>]</a:t>
+            </a:r>
+          </a:p>
+          <a:p>
+            <a:pPr marL="0" lvl="0" indent="0">
+              <a:buNone/>
+            </a:pPr>
+            <a:endParaRPr dirty="0"/>
+          </a:p>
+          <a:p>
+            <a:pPr lvl="1"/>
+            <a:r>
+              <a:rPr dirty="0"/>
+              <a:t>What did you like about this activity?</a:t>
+            </a:r>
+          </a:p>
+          <a:p>
+            <a:pPr marL="0" lvl="0" indent="0">
+              <a:buNone/>
+            </a:pPr>
+            <a:endParaRPr dirty="0"/>
+          </a:p>
+          <a:p>
+            <a:pPr lvl="1"/>
+            <a:r>
+              <a:rPr dirty="0"/>
+              <a:t>If you might teach this activity to a particular audience, what might you change about the process, structure, or content to better meet the needs of that audience?</a:t>
+            </a:r>
+          </a:p>
+          <a:p>
+            <a:pPr marL="0" lvl="0" indent="0">
+              <a:buNone/>
+            </a:pPr>
+            <a:endParaRPr dirty="0"/>
+          </a:p>
+          <a:p>
+            <a:pPr marL="0" lvl="0" indent="0">
+              <a:spcBef>
+                <a:spcPts val="3000"/>
+              </a:spcBef>
+              <a:buNone/>
+            </a:pPr>
+            <a:r>
+              <a:rPr b="1" dirty="0"/>
+              <a:t>Feedback on Core Curriculum</a:t>
+            </a:r>
+          </a:p>
+          <a:p>
+            <a:pPr marL="0" lvl="0" indent="0">
+              <a:buNone/>
+            </a:pPr>
+            <a:endParaRPr b="1" dirty="0"/>
+          </a:p>
+          <a:p>
+            <a:pPr lvl="1"/>
+            <a:r>
+              <a:rPr dirty="0"/>
+              <a:t>Tell us how and where you’re using the curriculum and what you’ve learned and what you might change.</a:t>
             </a:r>
           </a:p>
         </p:txBody>
@@ -2636,7 +2590,7 @@
           <a:p>
             <a:fld id="{18BDFEC3-8487-43E8-A154-7C12CBC1FFF2}" type="slidenum">
               <a:rPr lang="en-US"/>
-              <a:t>12</a:t>
+              <a:t>13</a:t>
             </a:fld>
             <a:endParaRPr lang="en-US"/>
           </a:p>
@@ -7686,6 +7640,13 @@
       </p:transition>
     </mc:Fallback>
   </mc:AlternateContent>
+  <p:timing>
+    <p:tnLst>
+      <p:par>
+        <p:cTn id="1" dur="indefinite" restart="never" nodeType="tmRoot"/>
+      </p:par>
+    </p:tnLst>
+  </p:timing>
 </p:sld>
 </file>
 
@@ -7718,21 +7679,19 @@
         </p:nvSpPr>
         <p:spPr/>
         <p:txBody>
-          <a:bodyPr>
-            <a:normAutofit fontScale="90000"/>
-          </a:bodyPr>
+          <a:bodyPr/>
           <a:lstStyle/>
           <a:p>
             <a:r>
               <a:rPr/>
-              <a:t>“is the Kraken, a 100- to 120-foot tentacled sea creature that attacks and sink ships, real?”</a:t>
+              <a:t>Did anything surprise you?</a:t>
             </a:r>
           </a:p>
         </p:txBody>
       </p:sp>
       <p:sp>
         <p:nvSpPr>
-          <p:cNvPr id="3" name="Content Placeholder 2"/>
+          <p:cNvPr id="4" name="Text Placeholder 3"/>
           <p:cNvSpPr>
             <a:spLocks noGrp="1"/>
           </p:cNvSpPr>
@@ -7742,90 +7701,106 @@
         </p:nvSpPr>
         <p:spPr/>
         <p:txBody>
-          <a:bodyPr>
-            <a:normAutofit/>
-          </a:bodyPr>
+          <a:bodyPr/>
           <a:lstStyle/>
           <a:p>
-            <a:pPr lvl="1"/>
-            <a:r>
-              <a:rPr dirty="0">
-                <a:hlinkClick r:id="rId3"/>
-              </a:rPr>
-              <a:t>http://www.mirror.co.uk/news/world-news/legendary-120m-kraken-sea-monster-8215560</a:t>
-            </a:r>
-          </a:p>
-          <a:p>
-            <a:pPr lvl="1"/>
-            <a:r>
-              <a:rPr dirty="0">
-                <a:hlinkClick r:id="rId4"/>
-              </a:rPr>
-              <a:t>http://www.ufosightingsdaily.com/2016/06/60-meter-giant-squid-found-on-google.html</a:t>
-            </a:r>
-          </a:p>
-          <a:p>
-            <a:pPr lvl="1"/>
-            <a:r>
-              <a:rPr dirty="0">
-                <a:hlinkClick r:id="rId5"/>
-              </a:rPr>
-              <a:t>http://www.orlandosentinel.com/features/gone-viral/os-thats-not-the-kraken-on-google-earth-its-a-rock-20160621-story.html</a:t>
-            </a:r>
-          </a:p>
-          <a:p>
-            <a:pPr lvl="1"/>
-            <a:r>
-              <a:rPr dirty="0">
-                <a:hlinkClick r:id="rId6"/>
-              </a:rPr>
-              <a:t>http://www.southernfriedscience.com/did-monster-hunters-find-a-120-meter-long-giant-squid-on-google-maps/</a:t>
-            </a:r>
-          </a:p>
-          <a:p>
-            <a:pPr lvl="1"/>
-            <a:r>
-              <a:rPr dirty="0">
-                <a:hlinkClick r:id="rId7"/>
-              </a:rPr>
-              <a:t>http://www.npr.org/2013/01/13/169274472/the-kraken-is-real-scientist-films-first-footage-of-a-giant-squid</a:t>
-            </a:r>
-          </a:p>
-          <a:p>
-            <a:pPr lvl="1"/>
-            <a:r>
-              <a:rPr dirty="0">
-                <a:hlinkClick r:id="rId8"/>
-              </a:rPr>
-              <a:t>http://www.foxnews.com/science/2013/01/24/video-kraken-in-natural-habitat-released.html</a:t>
-            </a:r>
-          </a:p>
-          <a:p>
-            <a:pPr lvl="1"/>
-            <a:r>
-              <a:rPr dirty="0">
-                <a:hlinkClick r:id="rId9"/>
-              </a:rPr>
-              <a:t>https://www.scientificamerican.com/article/live-giant-squid-filmed-in-deep-ocean/</a:t>
-            </a:r>
-          </a:p>
-          <a:p>
-            <a:pPr lvl="1"/>
-            <a:r>
-              <a:rPr dirty="0">
-                <a:hlinkClick r:id="rId10"/>
-              </a:rPr>
-              <a:t>https://www.greenprophet.com/2013/01/kraken-sea-monster-video/</a:t>
-            </a:r>
-          </a:p>
-          <a:p>
-            <a:pPr lvl="1"/>
-            <a:r>
-              <a:rPr dirty="0">
-                <a:hlinkClick r:id="rId11"/>
-              </a:rPr>
-              <a:t>https://en.wikipedia.org/wiki/Kraken</a:t>
-            </a:r>
+            <a:pPr marL="342900" indent="-342900">
+              <a:buFont typeface="Arial" panose="020B0604020202020204" pitchFamily="34" charset="0"/>
+              <a:buChar char="•"/>
+            </a:pPr>
+            <a:r>
+              <a:rPr lang="en-GB" dirty="0" smtClean="0"/>
+              <a:t>Was </a:t>
+            </a:r>
+            <a:r>
+              <a:rPr lang="en-GB" dirty="0"/>
+              <a:t>there a difference between the headline and the main idea? </a:t>
+            </a:r>
+          </a:p>
+          <a:p>
+            <a:pPr marL="342900" indent="-342900">
+              <a:buFont typeface="Arial" panose="020B0604020202020204" pitchFamily="34" charset="0"/>
+              <a:buChar char="•"/>
+            </a:pPr>
+            <a:r>
+              <a:rPr lang="en-GB" dirty="0" smtClean="0"/>
+              <a:t>What </a:t>
+            </a:r>
+            <a:r>
+              <a:rPr lang="en-GB" dirty="0"/>
+              <a:t>differences did you notice in the story from site to </a:t>
+            </a:r>
+            <a:r>
+              <a:rPr lang="en-GB" dirty="0" smtClean="0"/>
+              <a:t>site?</a:t>
+            </a:r>
+          </a:p>
+          <a:p>
+            <a:pPr marL="342900" indent="-342900">
+              <a:buFont typeface="Arial" panose="020B0604020202020204" pitchFamily="34" charset="0"/>
+              <a:buChar char="•"/>
+            </a:pPr>
+            <a:r>
+              <a:rPr lang="en-GB" dirty="0" smtClean="0"/>
+              <a:t>What </a:t>
+            </a:r>
+            <a:r>
+              <a:rPr lang="en-GB" dirty="0"/>
+              <a:t>did you feel when reading or looking at the sites? Were some more fun/exciting than others? </a:t>
+            </a:r>
+          </a:p>
+          <a:p>
+            <a:pPr marL="342900" indent="-342900">
+              <a:buFont typeface="Arial" panose="020B0604020202020204" pitchFamily="34" charset="0"/>
+              <a:buChar char="•"/>
+            </a:pPr>
+            <a:r>
+              <a:rPr lang="en-GB" dirty="0" smtClean="0"/>
+              <a:t>Which </a:t>
+            </a:r>
+            <a:r>
+              <a:rPr lang="en-GB" dirty="0"/>
+              <a:t>sites felt most trustworthy? Which didn’t? Did you validate sources online</a:t>
+            </a:r>
+            <a:r>
+              <a:rPr lang="en-GB" dirty="0" smtClean="0"/>
+              <a:t>?</a:t>
+            </a:r>
+          </a:p>
+          <a:p>
+            <a:pPr marL="342900" indent="-342900">
+              <a:buFont typeface="Arial" panose="020B0604020202020204" pitchFamily="34" charset="0"/>
+              <a:buChar char="•"/>
+            </a:pPr>
+            <a:r>
+              <a:rPr lang="en-GB" dirty="0" smtClean="0"/>
+              <a:t>Are </a:t>
+            </a:r>
+            <a:r>
+              <a:rPr lang="en-GB" dirty="0"/>
+              <a:t>there any new rules you’d propose for the </a:t>
+            </a:r>
+            <a:r>
+              <a:rPr lang="en-GB" dirty="0" smtClean="0"/>
+              <a:t>list?</a:t>
+            </a:r>
+          </a:p>
+          <a:p>
+            <a:pPr marL="342900" indent="-342900">
+              <a:buFont typeface="Arial" panose="020B0604020202020204" pitchFamily="34" charset="0"/>
+              <a:buChar char="•"/>
+            </a:pPr>
+            <a:r>
+              <a:rPr lang="en-GB" dirty="0" smtClean="0"/>
+              <a:t>Who </a:t>
+            </a:r>
+            <a:r>
+              <a:rPr lang="en-GB" dirty="0"/>
+              <a:t>owns the site? How can we discover the site’s purpose? When was the page created? </a:t>
+            </a:r>
+          </a:p>
+          <a:p>
+            <a:endParaRPr lang="en-GB" dirty="0"/>
           </a:p>
         </p:txBody>
       </p:sp>
@@ -7846,6 +7821,13 @@
       </p:transition>
     </mc:Fallback>
   </mc:AlternateContent>
+  <p:timing>
+    <p:tnLst>
+      <p:par>
+        <p:cTn id="1" dur="indefinite" restart="never" nodeType="tmRoot"/>
+      </p:par>
+    </p:tnLst>
+  </p:timing>
 </p:sld>
 </file>
 
@@ -7881,16 +7863,17 @@
           <a:bodyPr/>
           <a:lstStyle/>
           <a:p>
-            <a:r>
-              <a:rPr/>
-              <a:t>Did anything surprise you?</a:t>
+            <a:pPr lvl="1"/>
+            <a:r>
+              <a:rPr lang="en-GB" dirty="0"/>
+              <a:t>Revise the list of rules, and discuss as needed.</a:t>
             </a:r>
           </a:p>
         </p:txBody>
       </p:sp>
       <p:sp>
         <p:nvSpPr>
-          <p:cNvPr id="4" name="Text Placeholder 3"/>
+          <p:cNvPr id="3" name="Text Placeholder 2"/>
           <p:cNvSpPr>
             <a:spLocks noGrp="1"/>
           </p:cNvSpPr>
@@ -7903,27 +7886,30 @@
           <a:bodyPr/>
           <a:lstStyle/>
           <a:p>
-            <a:endParaRPr lang="en-GB"/>
+            <a:r>
+              <a:rPr lang="en-GB" dirty="0"/>
+              <a:t>Does the website … </a:t>
+            </a:r>
           </a:p>
         </p:txBody>
       </p:sp>
     </p:spTree>
+    <p:extLst>
+      <p:ext uri="{BB962C8B-B14F-4D97-AF65-F5344CB8AC3E}">
+        <p14:creationId xmlns:p14="http://schemas.microsoft.com/office/powerpoint/2010/main" val="279693898"/>
+      </p:ext>
+    </p:extLst>
   </p:cSld>
   <p:clrMapOvr>
     <a:masterClrMapping/>
   </p:clrMapOvr>
-  <mc:AlternateContent xmlns:mc="http://schemas.openxmlformats.org/markup-compatibility/2006" xmlns:p14="http://schemas.microsoft.com/office/powerpoint/2010/main">
-    <mc:Choice Requires="p14">
-      <p:transition spd="med" p14:dur="700">
-        <p:fade/>
-      </p:transition>
-    </mc:Choice>
-    <mc:Fallback xmlns="">
-      <p:transition spd="med">
-        <p:fade/>
-      </p:transition>
-    </mc:Fallback>
-  </mc:AlternateContent>
+  <p:timing>
+    <p:tnLst>
+      <p:par>
+        <p:cTn id="1" dur="indefinite" restart="never" nodeType="tmRoot"/>
+      </p:par>
+    </p:tnLst>
+  </p:timing>
 </p:sld>
 </file>
 
@@ -7960,8 +7946,8 @@
           <a:lstStyle/>
           <a:p>
             <a:r>
-              <a:rPr/>
-              <a:t>Detecting skills in the wild</a:t>
+              <a:rPr lang="en-GB" b="1" dirty="0"/>
+              <a:t>Were the moon landings faked?</a:t>
             </a:r>
           </a:p>
         </p:txBody>
@@ -7985,21 +7971,32 @@
               <a:buNone/>
             </a:pPr>
             <a:r>
-              <a:rPr/>
-              <a:t>Now, use your lists on news and info sources, “in the wild.”</a:t>
+              <a:rPr dirty="0"/>
+              <a:t>Now, use your lists on news and info sources, “in the wild</a:t>
+            </a:r>
+            <a:r>
+              <a:rPr dirty="0" smtClean="0"/>
+              <a:t>.”</a:t>
+            </a:r>
+            <a:endParaRPr lang="en-GB" dirty="0" smtClean="0"/>
+          </a:p>
+          <a:p>
+            <a:r>
+              <a:rPr lang="en-GB" dirty="0" smtClean="0"/>
+              <a:t>Your rules:</a:t>
+            </a:r>
+          </a:p>
+          <a:p>
+            <a:r>
+              <a:rPr lang="en-GB" dirty="0"/>
+              <a:t>Does the website … </a:t>
             </a:r>
           </a:p>
           <a:p>
             <a:pPr marL="0" indent="0">
-              <a:spcBef>
-                <a:spcPts val="3000"/>
-              </a:spcBef>
-              <a:buNone/>
-            </a:pPr>
-            <a:r>
-              <a:rPr b="1"/>
-              <a:t>Were the moon landings faked?</a:t>
-            </a:r>
+              <a:buNone/>
+            </a:pPr>
+            <a:endParaRPr b="1" dirty="0"/>
           </a:p>
         </p:txBody>
       </p:sp>
@@ -8020,6 +8017,13 @@
       </p:transition>
     </mc:Fallback>
   </mc:AlternateContent>
+  <p:timing>
+    <p:tnLst>
+      <p:par>
+        <p:cTn id="1" dur="indefinite" restart="never" nodeType="tmRoot"/>
+      </p:par>
+    </p:tnLst>
+  </p:timing>
 </p:sld>
 </file>
 
@@ -8077,7 +8081,6 @@
           <a:bodyPr/>
           <a:lstStyle/>
           <a:p>
-            <a:pPr lvl="1"/>
             <a:r>
               <a:rPr dirty="0"/>
               <a:t>Let’s see how your list from above compares to other lists and fact-checking processes.</a:t>
@@ -8116,8 +8119,74 @@
               <a:rPr dirty="0">
                 <a:hlinkClick r:id="rId5"/>
               </a:rPr>
-              <a:t>How to Fact-Check the Atlantic from the Atlantic</a:t>
-            </a:r>
+              <a:t>How to Fact-Check the Atlantic from the </a:t>
+            </a:r>
+            <a:r>
+              <a:rPr dirty="0" smtClean="0">
+                <a:hlinkClick r:id="rId5"/>
+              </a:rPr>
+              <a:t>Atlantic</a:t>
+            </a:r>
+            <a:endParaRPr lang="en-GB" dirty="0" smtClean="0">
+              <a:hlinkClick r:id="rId5"/>
+            </a:endParaRPr>
+          </a:p>
+          <a:p>
+            <a:pPr lvl="1"/>
+            <a:endParaRPr lang="en-GB" dirty="0">
+              <a:hlinkClick r:id="rId5"/>
+            </a:endParaRPr>
+          </a:p>
+          <a:p>
+            <a:pPr lvl="1"/>
+            <a:r>
+              <a:rPr lang="en-GB" dirty="0"/>
+              <a:t>How did these lists compare with your own list</a:t>
+            </a:r>
+            <a:r>
+              <a:rPr lang="en-GB" dirty="0" smtClean="0"/>
+              <a:t>?</a:t>
+            </a:r>
+            <a:endParaRPr lang="en-GB" dirty="0"/>
+          </a:p>
+          <a:p>
+            <a:pPr lvl="1"/>
+            <a:r>
+              <a:rPr lang="en-GB" dirty="0"/>
+              <a:t>What did you learn that you didn’t know before</a:t>
+            </a:r>
+            <a:r>
+              <a:rPr lang="en-GB" dirty="0" smtClean="0"/>
+              <a:t>?</a:t>
+            </a:r>
+            <a:endParaRPr lang="en-GB" dirty="0"/>
+          </a:p>
+          <a:p>
+            <a:pPr lvl="1"/>
+            <a:r>
+              <a:rPr lang="en-GB" dirty="0"/>
+              <a:t>What if anything is missing from these lists</a:t>
+            </a:r>
+            <a:r>
+              <a:rPr lang="en-GB" dirty="0" smtClean="0"/>
+              <a:t>?</a:t>
+            </a:r>
+            <a:endParaRPr lang="en-GB" dirty="0"/>
+          </a:p>
+          <a:p>
+            <a:pPr lvl="1"/>
+            <a:r>
+              <a:rPr lang="en-GB" dirty="0"/>
+              <a:t>How would you encourage others to practice good research/fact-checking techniques?</a:t>
+            </a:r>
+          </a:p>
+          <a:p>
+            <a:pPr marL="457200" lvl="1" indent="0">
+              <a:buNone/>
+            </a:pPr>
+            <a:endParaRPr lang="en-GB" dirty="0">
+              <a:hlinkClick r:id="rId5"/>
+            </a:endParaRPr>
           </a:p>
         </p:txBody>
       </p:sp>
@@ -8138,6 +8207,13 @@
       </p:transition>
     </mc:Fallback>
   </mc:AlternateContent>
+  <p:timing>
+    <p:tnLst>
+      <p:par>
+        <p:cTn id="1" dur="indefinite" restart="never" nodeType="tmRoot"/>
+      </p:par>
+    </p:tnLst>
+  </p:timing>
 </p:sld>
 </file>
 
@@ -8228,6 +8304,13 @@
       </p:transition>
     </mc:Fallback>
   </mc:AlternateContent>
+  <p:timing>
+    <p:tnLst>
+      <p:par>
+        <p:cTn id="1" dur="indefinite" restart="never" nodeType="tmRoot"/>
+      </p:par>
+    </p:tnLst>
+  </p:timing>
 </p:sld>
 </file>
 
@@ -8258,12 +8341,24 @@
             <p:ph type="title"/>
           </p:nvPr>
         </p:nvSpPr>
-        <p:spPr/>
+        <p:spPr>
+          <a:xfrm>
+            <a:off x="415601" y="546667"/>
+            <a:ext cx="8626799" cy="810400"/>
+          </a:xfrm>
+        </p:spPr>
         <p:txBody>
           <a:bodyPr/>
           <a:lstStyle/>
           <a:p>
-            <a:endParaRPr lang="en-GB"/>
+            <a:r>
+              <a:rPr lang="en-GB" dirty="0"/>
+              <a:t>Extension : How would you encourage others to practice good research/fact-checking techniques?</a:t>
+            </a:r>
+            <a:br>
+              <a:rPr lang="en-GB" dirty="0"/>
+            </a:br>
+            <a:endParaRPr lang="en-GB" dirty="0"/>
           </a:p>
         </p:txBody>
       </p:sp>
@@ -8282,7 +8377,29 @@
           <a:bodyPr/>
           <a:lstStyle/>
           <a:p>
-            <a:endParaRPr lang="en-GB"/>
+            <a:r>
+              <a:rPr lang="en-GB" dirty="0" smtClean="0"/>
+              <a:t>Make a </a:t>
+            </a:r>
+            <a:r>
+              <a:rPr lang="en-GB" dirty="0" err="1" smtClean="0"/>
+              <a:t>Powerpoint</a:t>
+            </a:r>
+            <a:r>
+              <a:rPr lang="en-GB" dirty="0" smtClean="0"/>
+              <a:t> to encourage </a:t>
+            </a:r>
+            <a:r>
+              <a:rPr lang="en-GB" dirty="0"/>
+              <a:t>others to practice good research/fact-checking techniques?</a:t>
+            </a:r>
+            <a:br>
+              <a:rPr lang="en-GB" dirty="0"/>
+            </a:br>
+            <a:endParaRPr lang="en-GB" dirty="0"/>
+          </a:p>
+          <a:p>
+            <a:endParaRPr lang="en-GB" dirty="0"/>
           </a:p>
         </p:txBody>
       </p:sp>
@@ -8429,6 +8546,13 @@
       </p:transition>
     </mc:Fallback>
   </mc:AlternateContent>
+  <p:timing>
+    <p:tnLst>
+      <p:par>
+        <p:cTn id="1" dur="indefinite" restart="never" nodeType="tmRoot"/>
+      </p:par>
+    </p:tnLst>
+  </p:timing>
 </p:sld>
 </file>
 
@@ -8542,6 +8666,13 @@
       </p:transition>
     </mc:Fallback>
   </mc:AlternateContent>
+  <p:timing>
+    <p:tnLst>
+      <p:par>
+        <p:cTn id="1" dur="indefinite" restart="never" nodeType="tmRoot"/>
+      </p:par>
+    </p:tnLst>
+  </p:timing>
 </p:sld>
 </file>
 
@@ -8652,6 +8783,13 @@
       </p:transition>
     </mc:Fallback>
   </mc:AlternateContent>
+  <p:timing>
+    <p:tnLst>
+      <p:par>
+        <p:cTn id="1" dur="indefinite" restart="never" nodeType="tmRoot"/>
+      </p:par>
+    </p:tnLst>
+  </p:timing>
 </p:sld>
 </file>
 
@@ -8765,6 +8903,13 @@
       </p:transition>
     </mc:Fallback>
   </mc:AlternateContent>
+  <p:timing>
+    <p:tnLst>
+      <p:par>
+        <p:cTn id="1" dur="indefinite" restart="never" nodeType="tmRoot"/>
+      </p:par>
+    </p:tnLst>
+  </p:timing>
 </p:sld>
 </file>
 
@@ -8839,8 +8984,38 @@
             </a:pPr>
             <a:r>
               <a:rPr lang="en-GB" dirty="0"/>
-              <a:t>Write on sticky notes individually</a:t>
-            </a:r>
+              <a:t>Write </a:t>
+            </a:r>
+            <a:r>
+              <a:rPr lang="en-GB" dirty="0" smtClean="0"/>
+              <a:t>initial ideas on your boards individually (2 </a:t>
+            </a:r>
+            <a:r>
+              <a:rPr lang="en-GB" dirty="0" err="1" smtClean="0"/>
+              <a:t>mins</a:t>
+            </a:r>
+            <a:r>
+              <a:rPr lang="en-GB" dirty="0" smtClean="0"/>
+              <a:t>)</a:t>
+            </a:r>
+          </a:p>
+          <a:p>
+            <a:pPr marL="342900" indent="-342900">
+              <a:buFont typeface="Arial" panose="020B0604020202020204" pitchFamily="34" charset="0"/>
+              <a:buChar char="•"/>
+            </a:pPr>
+            <a:r>
+              <a:rPr lang="en-GB" dirty="0" smtClean="0"/>
+              <a:t>Our Rules :-</a:t>
+            </a:r>
+          </a:p>
+          <a:p>
+            <a:pPr marL="1028700" lvl="1" indent="-342900"/>
+            <a:r>
+              <a:rPr lang="en-GB" dirty="0" smtClean="0"/>
+              <a:t>Is the spelling and grammar good? ……</a:t>
+            </a:r>
+            <a:endParaRPr lang="en-GB" dirty="0"/>
           </a:p>
           <a:p>
             <a:pPr marL="342900" indent="-342900">
@@ -8868,6 +9043,13 @@
       </p:transition>
     </mc:Fallback>
   </mc:AlternateContent>
+  <p:timing>
+    <p:tnLst>
+      <p:par>
+        <p:cTn id="1" dur="indefinite" restart="never" nodeType="tmRoot"/>
+      </p:par>
+    </p:tnLst>
+  </p:timing>
 </p:sld>
 </file>
 
@@ -8925,7 +9107,7 @@
           <a:bodyPr/>
           <a:lstStyle/>
           <a:p>
-            <a:endParaRPr lang="en-GB"/>
+            <a:endParaRPr lang="en-GB" dirty="0"/>
           </a:p>
         </p:txBody>
       </p:sp>
@@ -8946,6 +9128,13 @@
       </p:transition>
     </mc:Fallback>
   </mc:AlternateContent>
+  <p:timing>
+    <p:tnLst>
+      <p:par>
+        <p:cTn id="1" dur="indefinite" restart="never" nodeType="tmRoot"/>
+      </p:par>
+    </p:tnLst>
+  </p:timing>
 </p:sld>
 </file>
 
@@ -9034,12 +9223,33 @@
             <p:ph type="title"/>
           </p:nvPr>
         </p:nvSpPr>
-        <p:spPr/>
+        <p:spPr>
+          <a:xfrm>
+            <a:off x="415601" y="546667"/>
+            <a:ext cx="8769039" cy="810400"/>
+          </a:xfrm>
+        </p:spPr>
         <p:txBody>
           <a:bodyPr/>
           <a:lstStyle/>
           <a:p>
-            <a:endParaRPr lang="en-GB"/>
+            <a:pPr marL="0" indent="0">
+              <a:spcBef>
+                <a:spcPts val="3000"/>
+              </a:spcBef>
+            </a:pPr>
+            <a:r>
+              <a:rPr lang="en-GB" b="1" dirty="0"/>
+              <a:t>“is the Kraken, a 100- to 120-foot </a:t>
+            </a:r>
+            <a:r>
+              <a:rPr lang="en-GB" b="1" dirty="0" err="1"/>
+              <a:t>tentacled</a:t>
+            </a:r>
+            <a:r>
+              <a:rPr lang="en-GB" b="1" dirty="0"/>
+              <a:t> sea creature that attacks and sink ships, real?”</a:t>
+            </a:r>
           </a:p>
         </p:txBody>
       </p:sp>
@@ -9058,7 +9268,7 @@
           <a:bodyPr/>
           <a:lstStyle/>
           <a:p>
-            <a:endParaRPr lang="en-GB"/>
+            <a:endParaRPr lang="en-GB" dirty="0"/>
           </a:p>
         </p:txBody>
       </p:sp>
@@ -9079,6 +9289,13 @@
       </p:transition>
     </mc:Fallback>
   </mc:AlternateContent>
+  <p:timing>
+    <p:tnLst>
+      <p:par>
+        <p:cTn id="1" dur="indefinite" restart="never" nodeType="tmRoot"/>
+      </p:par>
+    </p:tnLst>
+  </p:timing>
 </p:sld>
 </file>
 
@@ -9101,7 +9318,7 @@
       </p:grpSpPr>
       <p:sp>
         <p:nvSpPr>
-          <p:cNvPr id="4" name="Title 3"/>
+          <p:cNvPr id="2" name="Title 1"/>
           <p:cNvSpPr>
             <a:spLocks noGrp="1"/>
           </p:cNvSpPr>
@@ -9109,12 +9326,30 @@
             <p:ph type="title"/>
           </p:nvPr>
         </p:nvSpPr>
-        <p:spPr/>
+        <p:spPr>
+          <a:xfrm>
+            <a:off x="415601" y="546667"/>
+            <a:ext cx="8769039" cy="810400"/>
+          </a:xfrm>
+        </p:spPr>
         <p:txBody>
-          <a:bodyPr/>
+          <a:bodyPr>
+            <a:normAutofit fontScale="90000"/>
+          </a:bodyPr>
           <a:lstStyle/>
           <a:p>
-            <a:endParaRPr lang="en-GB"/>
+            <a:r>
+              <a:rPr dirty="0"/>
+              <a:t>“is the Kraken, a 100- to 120-foot </a:t>
+            </a:r>
+            <a:r>
+              <a:rPr dirty="0" err="1"/>
+              <a:t>tentacled</a:t>
+            </a:r>
+            <a:r>
+              <a:rPr dirty="0"/>
+              <a:t> sea creature that attacks and sink ships, real?”</a:t>
+            </a:r>
           </a:p>
         </p:txBody>
       </p:sp>
@@ -9130,19 +9365,105 @@
         </p:nvSpPr>
         <p:spPr/>
         <p:txBody>
-          <a:bodyPr/>
+          <a:bodyPr>
+            <a:normAutofit/>
+          </a:bodyPr>
           <a:lstStyle/>
           <a:p>
-            <a:pPr marL="0" indent="0">
-              <a:spcBef>
-                <a:spcPts val="3000"/>
-              </a:spcBef>
-              <a:buNone/>
-            </a:pPr>
-            <a:r>
-              <a:rPr b="1"/>
-              <a:t>“is the Kraken, a 100- to 120-foot tentacled sea creature that attacks and sink ships, real?”</a:t>
-            </a:r>
+            <a:pPr lvl="1"/>
+            <a:r>
+              <a:rPr dirty="0">
+                <a:hlinkClick r:id="rId3"/>
+              </a:rPr>
+              <a:t>http://www.mirror.co.uk/news/world-news/legendary-120m-kraken-sea-monster-8215560</a:t>
+            </a:r>
+          </a:p>
+          <a:p>
+            <a:pPr lvl="1"/>
+            <a:r>
+              <a:rPr dirty="0">
+                <a:hlinkClick r:id="rId4"/>
+              </a:rPr>
+              <a:t>http://www.ufosightingsdaily.com/2016/06/60-meter-giant-squid-found-on-google.html</a:t>
+            </a:r>
+          </a:p>
+          <a:p>
+            <a:pPr lvl="1"/>
+            <a:r>
+              <a:rPr dirty="0">
+                <a:hlinkClick r:id="rId5"/>
+              </a:rPr>
+              <a:t>http://www.orlandosentinel.com/features/gone-viral/os-thats-not-the-kraken-on-google-earth-its-a-rock-20160621-story.html</a:t>
+            </a:r>
+          </a:p>
+          <a:p>
+            <a:pPr lvl="1"/>
+            <a:r>
+              <a:rPr dirty="0">
+                <a:hlinkClick r:id="rId6"/>
+              </a:rPr>
+              <a:t>http://www.southernfriedscience.com/did-monster-hunters-find-a-120-meter-long-giant-squid-on-google-maps</a:t>
+            </a:r>
+            <a:r>
+              <a:rPr dirty="0" smtClean="0">
+                <a:hlinkClick r:id="rId6"/>
+              </a:rPr>
+              <a:t>/</a:t>
+            </a:r>
+            <a:endParaRPr lang="en-GB" dirty="0" smtClean="0">
+              <a:hlinkClick r:id="rId6"/>
+            </a:endParaRPr>
+          </a:p>
+          <a:p>
+            <a:pPr lvl="1"/>
+            <a:endParaRPr dirty="0">
+              <a:hlinkClick r:id="rId6"/>
+            </a:endParaRPr>
+          </a:p>
+          <a:p>
+            <a:pPr lvl="1"/>
+            <a:r>
+              <a:rPr dirty="0">
+                <a:hlinkClick r:id="rId7"/>
+              </a:rPr>
+              <a:t>http://www.npr.org/2013/01/13/169274472/the-kraken-is-real-scientist-films-first-footage-of-a-giant-squid</a:t>
+            </a:r>
+          </a:p>
+          <a:p>
+            <a:pPr lvl="1"/>
+            <a:r>
+              <a:rPr dirty="0">
+                <a:hlinkClick r:id="rId8"/>
+              </a:rPr>
+              <a:t>http://www.foxnews.com/science/2013/01/24/video-kraken-in-natural-habitat-released.html</a:t>
+            </a:r>
+          </a:p>
+          <a:p>
+            <a:pPr lvl="1"/>
+            <a:r>
+              <a:rPr dirty="0">
+                <a:hlinkClick r:id="rId9"/>
+              </a:rPr>
+              <a:t>https://www.scientificamerican.com/article/live-giant-squid-filmed-in-deep-ocean/</a:t>
+            </a:r>
+          </a:p>
+          <a:p>
+            <a:pPr lvl="1"/>
+            <a:r>
+              <a:rPr dirty="0">
+                <a:hlinkClick r:id="rId10"/>
+              </a:rPr>
+              <a:t>https://www.greenprophet.com/2013/01/kraken-sea-monster-video</a:t>
+            </a:r>
+            <a:r>
+              <a:rPr dirty="0" smtClean="0">
+                <a:hlinkClick r:id="rId10"/>
+              </a:rPr>
+              <a:t>/</a:t>
+            </a:r>
+            <a:endParaRPr dirty="0">
+              <a:hlinkClick r:id="rId10"/>
+            </a:endParaRPr>
           </a:p>
         </p:txBody>
       </p:sp>
@@ -9163,6 +9484,13 @@
       </p:transition>
     </mc:Fallback>
   </mc:AlternateContent>
+  <p:timing>
+    <p:tnLst>
+      <p:par>
+        <p:cTn id="1" dur="indefinite" restart="never" nodeType="tmRoot"/>
+      </p:par>
+    </p:tnLst>
+  </p:timing>
 </p:sld>
 </file>
 
